--- a/images/演示文稿1.pptx
+++ b/images/演示文稿1.pptx
@@ -104,6 +104,11 @@
       </a:defRPr>
     </a:lvl9pPr>
   </p:defaultTextStyle>
+  <p:extLst>
+    <p:ext uri="{EFAFB233-063F-42B5-8137-9DF3F51BA10A}">
+      <p15:sldGuideLst xmlns:p15="http://schemas.microsoft.com/office/powerpoint/2012/main"/>
+    </p:ext>
+  </p:extLst>
 </p:presentation>
 </file>
 
@@ -254,7 +259,7 @@
           <a:p>
             <a:fld id="{F5BD6FBD-27B6-465F-B108-FA7FED5A51C9}" type="datetimeFigureOut">
               <a:rPr lang="zh-CN" altLang="en-US" smtClean="0"/>
-              <a:t>2022/3/22</a:t>
+              <a:t>2022/3/24</a:t>
             </a:fld>
             <a:endParaRPr lang="zh-CN" altLang="en-US"/>
           </a:p>
@@ -452,7 +457,7 @@
           <a:p>
             <a:fld id="{F5BD6FBD-27B6-465F-B108-FA7FED5A51C9}" type="datetimeFigureOut">
               <a:rPr lang="zh-CN" altLang="en-US" smtClean="0"/>
-              <a:t>2022/3/22</a:t>
+              <a:t>2022/3/24</a:t>
             </a:fld>
             <a:endParaRPr lang="zh-CN" altLang="en-US"/>
           </a:p>
@@ -660,7 +665,7 @@
           <a:p>
             <a:fld id="{F5BD6FBD-27B6-465F-B108-FA7FED5A51C9}" type="datetimeFigureOut">
               <a:rPr lang="zh-CN" altLang="en-US" smtClean="0"/>
-              <a:t>2022/3/22</a:t>
+              <a:t>2022/3/24</a:t>
             </a:fld>
             <a:endParaRPr lang="zh-CN" altLang="en-US"/>
           </a:p>
@@ -858,7 +863,7 @@
           <a:p>
             <a:fld id="{F5BD6FBD-27B6-465F-B108-FA7FED5A51C9}" type="datetimeFigureOut">
               <a:rPr lang="zh-CN" altLang="en-US" smtClean="0"/>
-              <a:t>2022/3/22</a:t>
+              <a:t>2022/3/24</a:t>
             </a:fld>
             <a:endParaRPr lang="zh-CN" altLang="en-US"/>
           </a:p>
@@ -1133,7 +1138,7 @@
           <a:p>
             <a:fld id="{F5BD6FBD-27B6-465F-B108-FA7FED5A51C9}" type="datetimeFigureOut">
               <a:rPr lang="zh-CN" altLang="en-US" smtClean="0"/>
-              <a:t>2022/3/22</a:t>
+              <a:t>2022/3/24</a:t>
             </a:fld>
             <a:endParaRPr lang="zh-CN" altLang="en-US"/>
           </a:p>
@@ -1398,7 +1403,7 @@
           <a:p>
             <a:fld id="{F5BD6FBD-27B6-465F-B108-FA7FED5A51C9}" type="datetimeFigureOut">
               <a:rPr lang="zh-CN" altLang="en-US" smtClean="0"/>
-              <a:t>2022/3/22</a:t>
+              <a:t>2022/3/24</a:t>
             </a:fld>
             <a:endParaRPr lang="zh-CN" altLang="en-US"/>
           </a:p>
@@ -1810,7 +1815,7 @@
           <a:p>
             <a:fld id="{F5BD6FBD-27B6-465F-B108-FA7FED5A51C9}" type="datetimeFigureOut">
               <a:rPr lang="zh-CN" altLang="en-US" smtClean="0"/>
-              <a:t>2022/3/22</a:t>
+              <a:t>2022/3/24</a:t>
             </a:fld>
             <a:endParaRPr lang="zh-CN" altLang="en-US"/>
           </a:p>
@@ -1951,7 +1956,7 @@
           <a:p>
             <a:fld id="{F5BD6FBD-27B6-465F-B108-FA7FED5A51C9}" type="datetimeFigureOut">
               <a:rPr lang="zh-CN" altLang="en-US" smtClean="0"/>
-              <a:t>2022/3/22</a:t>
+              <a:t>2022/3/24</a:t>
             </a:fld>
             <a:endParaRPr lang="zh-CN" altLang="en-US"/>
           </a:p>
@@ -2064,7 +2069,7 @@
           <a:p>
             <a:fld id="{F5BD6FBD-27B6-465F-B108-FA7FED5A51C9}" type="datetimeFigureOut">
               <a:rPr lang="zh-CN" altLang="en-US" smtClean="0"/>
-              <a:t>2022/3/22</a:t>
+              <a:t>2022/3/24</a:t>
             </a:fld>
             <a:endParaRPr lang="zh-CN" altLang="en-US"/>
           </a:p>
@@ -2375,7 +2380,7 @@
           <a:p>
             <a:fld id="{F5BD6FBD-27B6-465F-B108-FA7FED5A51C9}" type="datetimeFigureOut">
               <a:rPr lang="zh-CN" altLang="en-US" smtClean="0"/>
-              <a:t>2022/3/22</a:t>
+              <a:t>2022/3/24</a:t>
             </a:fld>
             <a:endParaRPr lang="zh-CN" altLang="en-US"/>
           </a:p>
@@ -2663,7 +2668,7 @@
           <a:p>
             <a:fld id="{F5BD6FBD-27B6-465F-B108-FA7FED5A51C9}" type="datetimeFigureOut">
               <a:rPr lang="zh-CN" altLang="en-US" smtClean="0"/>
-              <a:t>2022/3/22</a:t>
+              <a:t>2022/3/24</a:t>
             </a:fld>
             <a:endParaRPr lang="zh-CN" altLang="en-US"/>
           </a:p>
@@ -2904,7 +2909,7 @@
           <a:p>
             <a:fld id="{F5BD6FBD-27B6-465F-B108-FA7FED5A51C9}" type="datetimeFigureOut">
               <a:rPr lang="zh-CN" altLang="en-US" smtClean="0"/>
-              <a:t>2022/3/22</a:t>
+              <a:t>2022/3/24</a:t>
             </a:fld>
             <a:endParaRPr lang="zh-CN" altLang="en-US"/>
           </a:p>
@@ -3419,7 +3424,7 @@
         </p:blipFill>
         <p:spPr>
           <a:xfrm>
-            <a:off x="2276943" y="2539623"/>
+            <a:off x="2307422" y="3509948"/>
             <a:ext cx="3002724" cy="1143819"/>
           </a:xfrm>
           <a:prstGeom prst="rect">
@@ -3454,8 +3459,8 @@
         </p:blipFill>
         <p:spPr>
           <a:xfrm>
-            <a:off x="1424441" y="3683442"/>
-            <a:ext cx="4625631" cy="968071"/>
+            <a:off x="1330737" y="2544131"/>
+            <a:ext cx="4765259" cy="968071"/>
           </a:xfrm>
           <a:prstGeom prst="rect">
             <a:avLst/>
@@ -3492,41 +3497,6 @@
           <a:xfrm>
             <a:off x="2472017" y="4651513"/>
             <a:ext cx="2530477" cy="849931"/>
-          </a:xfrm>
-          <a:prstGeom prst="rect">
-            <a:avLst/>
-          </a:prstGeom>
-        </p:spPr>
-      </p:pic>
-      <p:pic>
-        <p:nvPicPr>
-          <p:cNvPr id="15" name="图片 14">
-            <a:extLst>
-              <a:ext uri="{FF2B5EF4-FFF2-40B4-BE49-F238E27FC236}">
-                <a16:creationId xmlns:a16="http://schemas.microsoft.com/office/drawing/2014/main" id="{A5B15098-EE3B-40F0-942A-E5CC6D53F44B}"/>
-              </a:ext>
-            </a:extLst>
-          </p:cNvPr>
-          <p:cNvPicPr>
-            <a:picLocks noChangeAspect="1"/>
-          </p:cNvPicPr>
-          <p:nvPr/>
-        </p:nvPicPr>
-        <p:blipFill rotWithShape="1">
-          <a:blip r:embed="rId7">
-            <a:extLst>
-              <a:ext uri="{28A0092B-C50C-407E-A947-70E740481C1C}">
-                <a14:useLocalDpi xmlns:a14="http://schemas.microsoft.com/office/drawing/2010/main" val="0"/>
-              </a:ext>
-            </a:extLst>
-          </a:blip>
-          <a:srcRect t="19344"/>
-          <a:stretch/>
-        </p:blipFill>
-        <p:spPr>
-          <a:xfrm>
-            <a:off x="2074044" y="5532123"/>
-            <a:ext cx="3389061" cy="731791"/>
           </a:xfrm>
           <a:prstGeom prst="rect">
             <a:avLst/>

--- a/images/演示文稿1.pptx
+++ b/images/演示文稿1.pptx
@@ -6,6 +6,7 @@
   </p:sldMasterIdLst>
   <p:sldIdLst>
     <p:sldId id="256" r:id="rId2"/>
+    <p:sldId id="257" r:id="rId3"/>
   </p:sldIdLst>
   <p:sldSz cx="12192000" cy="6858000"/>
   <p:notesSz cx="6858000" cy="9144000"/>
@@ -259,7 +260,7 @@
           <a:p>
             <a:fld id="{F5BD6FBD-27B6-465F-B108-FA7FED5A51C9}" type="datetimeFigureOut">
               <a:rPr lang="zh-CN" altLang="en-US" smtClean="0"/>
-              <a:t>2022/3/24</a:t>
+              <a:t>2022/4/21</a:t>
             </a:fld>
             <a:endParaRPr lang="zh-CN" altLang="en-US"/>
           </a:p>
@@ -457,7 +458,7 @@
           <a:p>
             <a:fld id="{F5BD6FBD-27B6-465F-B108-FA7FED5A51C9}" type="datetimeFigureOut">
               <a:rPr lang="zh-CN" altLang="en-US" smtClean="0"/>
-              <a:t>2022/3/24</a:t>
+              <a:t>2022/4/21</a:t>
             </a:fld>
             <a:endParaRPr lang="zh-CN" altLang="en-US"/>
           </a:p>
@@ -665,7 +666,7 @@
           <a:p>
             <a:fld id="{F5BD6FBD-27B6-465F-B108-FA7FED5A51C9}" type="datetimeFigureOut">
               <a:rPr lang="zh-CN" altLang="en-US" smtClean="0"/>
-              <a:t>2022/3/24</a:t>
+              <a:t>2022/4/21</a:t>
             </a:fld>
             <a:endParaRPr lang="zh-CN" altLang="en-US"/>
           </a:p>
@@ -863,7 +864,7 @@
           <a:p>
             <a:fld id="{F5BD6FBD-27B6-465F-B108-FA7FED5A51C9}" type="datetimeFigureOut">
               <a:rPr lang="zh-CN" altLang="en-US" smtClean="0"/>
-              <a:t>2022/3/24</a:t>
+              <a:t>2022/4/21</a:t>
             </a:fld>
             <a:endParaRPr lang="zh-CN" altLang="en-US"/>
           </a:p>
@@ -1138,7 +1139,7 @@
           <a:p>
             <a:fld id="{F5BD6FBD-27B6-465F-B108-FA7FED5A51C9}" type="datetimeFigureOut">
               <a:rPr lang="zh-CN" altLang="en-US" smtClean="0"/>
-              <a:t>2022/3/24</a:t>
+              <a:t>2022/4/21</a:t>
             </a:fld>
             <a:endParaRPr lang="zh-CN" altLang="en-US"/>
           </a:p>
@@ -1403,7 +1404,7 @@
           <a:p>
             <a:fld id="{F5BD6FBD-27B6-465F-B108-FA7FED5A51C9}" type="datetimeFigureOut">
               <a:rPr lang="zh-CN" altLang="en-US" smtClean="0"/>
-              <a:t>2022/3/24</a:t>
+              <a:t>2022/4/21</a:t>
             </a:fld>
             <a:endParaRPr lang="zh-CN" altLang="en-US"/>
           </a:p>
@@ -1815,7 +1816,7 @@
           <a:p>
             <a:fld id="{F5BD6FBD-27B6-465F-B108-FA7FED5A51C9}" type="datetimeFigureOut">
               <a:rPr lang="zh-CN" altLang="en-US" smtClean="0"/>
-              <a:t>2022/3/24</a:t>
+              <a:t>2022/4/21</a:t>
             </a:fld>
             <a:endParaRPr lang="zh-CN" altLang="en-US"/>
           </a:p>
@@ -1956,7 +1957,7 @@
           <a:p>
             <a:fld id="{F5BD6FBD-27B6-465F-B108-FA7FED5A51C9}" type="datetimeFigureOut">
               <a:rPr lang="zh-CN" altLang="en-US" smtClean="0"/>
-              <a:t>2022/3/24</a:t>
+              <a:t>2022/4/21</a:t>
             </a:fld>
             <a:endParaRPr lang="zh-CN" altLang="en-US"/>
           </a:p>
@@ -2069,7 +2070,7 @@
           <a:p>
             <a:fld id="{F5BD6FBD-27B6-465F-B108-FA7FED5A51C9}" type="datetimeFigureOut">
               <a:rPr lang="zh-CN" altLang="en-US" smtClean="0"/>
-              <a:t>2022/3/24</a:t>
+              <a:t>2022/4/21</a:t>
             </a:fld>
             <a:endParaRPr lang="zh-CN" altLang="en-US"/>
           </a:p>
@@ -2380,7 +2381,7 @@
           <a:p>
             <a:fld id="{F5BD6FBD-27B6-465F-B108-FA7FED5A51C9}" type="datetimeFigureOut">
               <a:rPr lang="zh-CN" altLang="en-US" smtClean="0"/>
-              <a:t>2022/3/24</a:t>
+              <a:t>2022/4/21</a:t>
             </a:fld>
             <a:endParaRPr lang="zh-CN" altLang="en-US"/>
           </a:p>
@@ -2668,7 +2669,7 @@
           <a:p>
             <a:fld id="{F5BD6FBD-27B6-465F-B108-FA7FED5A51C9}" type="datetimeFigureOut">
               <a:rPr lang="zh-CN" altLang="en-US" smtClean="0"/>
-              <a:t>2022/3/24</a:t>
+              <a:t>2022/4/21</a:t>
             </a:fld>
             <a:endParaRPr lang="zh-CN" altLang="en-US"/>
           </a:p>
@@ -2909,7 +2910,7 @@
           <a:p>
             <a:fld id="{F5BD6FBD-27B6-465F-B108-FA7FED5A51C9}" type="datetimeFigureOut">
               <a:rPr lang="zh-CN" altLang="en-US" smtClean="0"/>
-              <a:t>2022/3/24</a:t>
+              <a:t>2022/4/21</a:t>
             </a:fld>
             <a:endParaRPr lang="zh-CN" altLang="en-US"/>
           </a:p>
@@ -3516,6 +3517,321 @@
 </p:sld>
 </file>
 
+<file path=ppt/slides/slide2.xml><?xml version="1.0" encoding="utf-8"?>
+<p:sld xmlns:a="http://schemas.openxmlformats.org/drawingml/2006/main" xmlns:r="http://schemas.openxmlformats.org/officeDocument/2006/relationships" xmlns:p="http://schemas.openxmlformats.org/presentationml/2006/main">
+  <p:cSld>
+    <p:spTree>
+      <p:nvGrpSpPr>
+        <p:cNvPr id="1" name=""/>
+        <p:cNvGrpSpPr/>
+        <p:nvPr/>
+      </p:nvGrpSpPr>
+      <p:grpSpPr>
+        <a:xfrm>
+          <a:off x="0" y="0"/>
+          <a:ext cx="0" cy="0"/>
+          <a:chOff x="0" y="0"/>
+          <a:chExt cx="0" cy="0"/>
+        </a:xfrm>
+      </p:grpSpPr>
+      <p:pic>
+        <p:nvPicPr>
+          <p:cNvPr id="5" name="图片 4">
+            <a:extLst>
+              <a:ext uri="{FF2B5EF4-FFF2-40B4-BE49-F238E27FC236}">
+                <a16:creationId xmlns:a16="http://schemas.microsoft.com/office/drawing/2014/main" id="{DDC7E162-C7D5-4E1D-A3F5-03FA2D12FBBC}"/>
+              </a:ext>
+            </a:extLst>
+          </p:cNvPr>
+          <p:cNvPicPr>
+            <a:picLocks noChangeAspect="1"/>
+          </p:cNvPicPr>
+          <p:nvPr/>
+        </p:nvPicPr>
+        <p:blipFill rotWithShape="1">
+          <a:blip r:embed="rId2">
+            <a:extLst>
+              <a:ext uri="{28A0092B-C50C-407E-A947-70E740481C1C}">
+                <a14:useLocalDpi xmlns:a14="http://schemas.microsoft.com/office/drawing/2010/main" val="0"/>
+              </a:ext>
+            </a:extLst>
+          </a:blip>
+          <a:srcRect t="33669" b="34191"/>
+          <a:stretch/>
+        </p:blipFill>
+        <p:spPr>
+          <a:xfrm>
+            <a:off x="1330740" y="803082"/>
+            <a:ext cx="4765260" cy="918908"/>
+          </a:xfrm>
+          <a:prstGeom prst="rect">
+            <a:avLst/>
+          </a:prstGeom>
+        </p:spPr>
+      </p:pic>
+      <p:pic>
+        <p:nvPicPr>
+          <p:cNvPr id="7" name="图片 6">
+            <a:extLst>
+              <a:ext uri="{FF2B5EF4-FFF2-40B4-BE49-F238E27FC236}">
+                <a16:creationId xmlns:a16="http://schemas.microsoft.com/office/drawing/2014/main" id="{D1858855-4FFD-4DC6-BDF9-9559C7FA8310}"/>
+              </a:ext>
+            </a:extLst>
+          </p:cNvPr>
+          <p:cNvPicPr>
+            <a:picLocks noChangeAspect="1"/>
+          </p:cNvPicPr>
+          <p:nvPr/>
+        </p:nvPicPr>
+        <p:blipFill rotWithShape="1">
+          <a:blip r:embed="rId3">
+            <a:extLst>
+              <a:ext uri="{28A0092B-C50C-407E-A947-70E740481C1C}">
+                <a14:useLocalDpi xmlns:a14="http://schemas.microsoft.com/office/drawing/2010/main" val="0"/>
+              </a:ext>
+            </a:extLst>
+          </a:blip>
+          <a:srcRect l="4993" r="6638"/>
+          <a:stretch/>
+        </p:blipFill>
+        <p:spPr>
+          <a:xfrm>
+            <a:off x="1330739" y="1721990"/>
+            <a:ext cx="4765259" cy="871304"/>
+          </a:xfrm>
+          <a:prstGeom prst="rect">
+            <a:avLst/>
+          </a:prstGeom>
+        </p:spPr>
+      </p:pic>
+      <p:pic>
+        <p:nvPicPr>
+          <p:cNvPr id="9" name="图片 8">
+            <a:extLst>
+              <a:ext uri="{FF2B5EF4-FFF2-40B4-BE49-F238E27FC236}">
+                <a16:creationId xmlns:a16="http://schemas.microsoft.com/office/drawing/2014/main" id="{2066CDD9-9F85-4DFD-8F55-1ECCE1651D94}"/>
+              </a:ext>
+            </a:extLst>
+          </p:cNvPr>
+          <p:cNvPicPr>
+            <a:picLocks noChangeAspect="1"/>
+          </p:cNvPicPr>
+          <p:nvPr/>
+        </p:nvPicPr>
+        <p:blipFill>
+          <a:blip r:embed="rId4">
+            <a:extLst>
+              <a:ext uri="{28A0092B-C50C-407E-A947-70E740481C1C}">
+                <a14:useLocalDpi xmlns:a14="http://schemas.microsoft.com/office/drawing/2010/main" val="0"/>
+              </a:ext>
+            </a:extLst>
+          </a:blip>
+          <a:stretch>
+            <a:fillRect/>
+          </a:stretch>
+        </p:blipFill>
+        <p:spPr>
+          <a:xfrm>
+            <a:off x="3539874" y="5483008"/>
+            <a:ext cx="3002724" cy="1143819"/>
+          </a:xfrm>
+          <a:prstGeom prst="rect">
+            <a:avLst/>
+          </a:prstGeom>
+        </p:spPr>
+      </p:pic>
+      <p:pic>
+        <p:nvPicPr>
+          <p:cNvPr id="11" name="图片 10">
+            <a:extLst>
+              <a:ext uri="{FF2B5EF4-FFF2-40B4-BE49-F238E27FC236}">
+                <a16:creationId xmlns:a16="http://schemas.microsoft.com/office/drawing/2014/main" id="{CF530BDD-DBE9-409F-B173-34C4F6A07EEC}"/>
+              </a:ext>
+            </a:extLst>
+          </p:cNvPr>
+          <p:cNvPicPr>
+            <a:picLocks noChangeAspect="1"/>
+          </p:cNvPicPr>
+          <p:nvPr/>
+        </p:nvPicPr>
+        <p:blipFill rotWithShape="1">
+          <a:blip r:embed="rId5">
+            <a:extLst>
+              <a:ext uri="{28A0092B-C50C-407E-A947-70E740481C1C}">
+                <a14:useLocalDpi xmlns:a14="http://schemas.microsoft.com/office/drawing/2010/main" val="0"/>
+              </a:ext>
+            </a:extLst>
+          </a:blip>
+          <a:srcRect l="4111" t="13003" r="12792" b="40610"/>
+          <a:stretch/>
+        </p:blipFill>
+        <p:spPr>
+          <a:xfrm>
+            <a:off x="1330737" y="2575220"/>
+            <a:ext cx="4765259" cy="818978"/>
+          </a:xfrm>
+          <a:prstGeom prst="rect">
+            <a:avLst/>
+          </a:prstGeom>
+        </p:spPr>
+      </p:pic>
+      <p:pic>
+        <p:nvPicPr>
+          <p:cNvPr id="13" name="图片 12">
+            <a:extLst>
+              <a:ext uri="{FF2B5EF4-FFF2-40B4-BE49-F238E27FC236}">
+                <a16:creationId xmlns:a16="http://schemas.microsoft.com/office/drawing/2014/main" id="{CC9816E7-1F5E-4F02-B35A-E027F32EEAA4}"/>
+              </a:ext>
+            </a:extLst>
+          </p:cNvPr>
+          <p:cNvPicPr>
+            <a:picLocks noChangeAspect="1"/>
+          </p:cNvPicPr>
+          <p:nvPr/>
+        </p:nvPicPr>
+        <p:blipFill>
+          <a:blip r:embed="rId6">
+            <a:extLst>
+              <a:ext uri="{28A0092B-C50C-407E-A947-70E740481C1C}">
+                <a14:useLocalDpi xmlns:a14="http://schemas.microsoft.com/office/drawing/2010/main" val="0"/>
+              </a:ext>
+            </a:extLst>
+          </a:blip>
+          <a:stretch>
+            <a:fillRect/>
+          </a:stretch>
+        </p:blipFill>
+        <p:spPr>
+          <a:xfrm>
+            <a:off x="1330736" y="3397498"/>
+            <a:ext cx="1609270" cy="540518"/>
+          </a:xfrm>
+          <a:prstGeom prst="rect">
+            <a:avLst/>
+          </a:prstGeom>
+        </p:spPr>
+      </p:pic>
+      <p:pic>
+        <p:nvPicPr>
+          <p:cNvPr id="3" name="图片 2">
+            <a:extLst>
+              <a:ext uri="{FF2B5EF4-FFF2-40B4-BE49-F238E27FC236}">
+                <a16:creationId xmlns:a16="http://schemas.microsoft.com/office/drawing/2014/main" id="{127821E1-E9F9-4F46-81D6-839421E0EA62}"/>
+              </a:ext>
+            </a:extLst>
+          </p:cNvPr>
+          <p:cNvPicPr>
+            <a:picLocks noChangeAspect="1"/>
+          </p:cNvPicPr>
+          <p:nvPr/>
+        </p:nvPicPr>
+        <p:blipFill>
+          <a:blip r:embed="rId7">
+            <a:extLst>
+              <a:ext uri="{28A0092B-C50C-407E-A947-70E740481C1C}">
+                <a14:useLocalDpi xmlns:a14="http://schemas.microsoft.com/office/drawing/2010/main" val="0"/>
+              </a:ext>
+            </a:extLst>
+          </a:blip>
+          <a:stretch>
+            <a:fillRect/>
+          </a:stretch>
+        </p:blipFill>
+        <p:spPr>
+          <a:xfrm>
+            <a:off x="6095997" y="803083"/>
+            <a:ext cx="2960540" cy="1698088"/>
+          </a:xfrm>
+          <a:prstGeom prst="rect">
+            <a:avLst/>
+          </a:prstGeom>
+        </p:spPr>
+      </p:pic>
+      <p:pic>
+        <p:nvPicPr>
+          <p:cNvPr id="6" name="图片 5">
+            <a:extLst>
+              <a:ext uri="{FF2B5EF4-FFF2-40B4-BE49-F238E27FC236}">
+                <a16:creationId xmlns:a16="http://schemas.microsoft.com/office/drawing/2014/main" id="{9B5DD1CE-8DA3-42B7-9E1F-DB3ABFD50EFC}"/>
+              </a:ext>
+            </a:extLst>
+          </p:cNvPr>
+          <p:cNvPicPr>
+            <a:picLocks noChangeAspect="1"/>
+          </p:cNvPicPr>
+          <p:nvPr/>
+        </p:nvPicPr>
+        <p:blipFill>
+          <a:blip r:embed="rId8">
+            <a:extLst>
+              <a:ext uri="{28A0092B-C50C-407E-A947-70E740481C1C}">
+                <a14:useLocalDpi xmlns:a14="http://schemas.microsoft.com/office/drawing/2010/main" val="0"/>
+              </a:ext>
+            </a:extLst>
+          </a:blip>
+          <a:stretch>
+            <a:fillRect/>
+          </a:stretch>
+        </p:blipFill>
+        <p:spPr>
+          <a:xfrm>
+            <a:off x="6095997" y="2787272"/>
+            <a:ext cx="2960540" cy="549605"/>
+          </a:xfrm>
+          <a:prstGeom prst="rect">
+            <a:avLst/>
+          </a:prstGeom>
+        </p:spPr>
+      </p:pic>
+      <p:pic>
+        <p:nvPicPr>
+          <p:cNvPr id="10" name="图片 9">
+            <a:extLst>
+              <a:ext uri="{FF2B5EF4-FFF2-40B4-BE49-F238E27FC236}">
+                <a16:creationId xmlns:a16="http://schemas.microsoft.com/office/drawing/2014/main" id="{DAE5DDC7-2361-40F3-9D7F-3BE8EAC6C6A6}"/>
+              </a:ext>
+            </a:extLst>
+          </p:cNvPr>
+          <p:cNvPicPr>
+            <a:picLocks noChangeAspect="1"/>
+          </p:cNvPicPr>
+          <p:nvPr/>
+        </p:nvPicPr>
+        <p:blipFill>
+          <a:blip r:embed="rId9">
+            <a:extLst>
+              <a:ext uri="{28A0092B-C50C-407E-A947-70E740481C1C}">
+                <a14:useLocalDpi xmlns:a14="http://schemas.microsoft.com/office/drawing/2010/main" val="0"/>
+              </a:ext>
+            </a:extLst>
+          </a:blip>
+          <a:stretch>
+            <a:fillRect/>
+          </a:stretch>
+        </p:blipFill>
+        <p:spPr>
+          <a:xfrm>
+            <a:off x="6095996" y="3394198"/>
+            <a:ext cx="2333963" cy="624840"/>
+          </a:xfrm>
+          <a:prstGeom prst="rect">
+            <a:avLst/>
+          </a:prstGeom>
+        </p:spPr>
+      </p:pic>
+    </p:spTree>
+    <p:extLst>
+      <p:ext uri="{BB962C8B-B14F-4D97-AF65-F5344CB8AC3E}">
+        <p14:creationId xmlns:p14="http://schemas.microsoft.com/office/powerpoint/2010/main" val="34618899"/>
+      </p:ext>
+    </p:extLst>
+  </p:cSld>
+  <p:clrMapOvr>
+    <a:masterClrMapping/>
+  </p:clrMapOvr>
+</p:sld>
+</file>
+
 <file path=ppt/theme/theme1.xml><?xml version="1.0" encoding="utf-8"?>
 <a:theme xmlns:a="http://schemas.openxmlformats.org/drawingml/2006/main" name="Office 主题​​">
   <a:themeElements>

--- a/images/演示文稿1.pptx
+++ b/images/演示文稿1.pptx
@@ -260,7 +260,7 @@
           <a:p>
             <a:fld id="{F5BD6FBD-27B6-465F-B108-FA7FED5A51C9}" type="datetimeFigureOut">
               <a:rPr lang="zh-CN" altLang="en-US" smtClean="0"/>
-              <a:t>2022/4/21</a:t>
+              <a:t>2022/5/9</a:t>
             </a:fld>
             <a:endParaRPr lang="zh-CN" altLang="en-US"/>
           </a:p>
@@ -458,7 +458,7 @@
           <a:p>
             <a:fld id="{F5BD6FBD-27B6-465F-B108-FA7FED5A51C9}" type="datetimeFigureOut">
               <a:rPr lang="zh-CN" altLang="en-US" smtClean="0"/>
-              <a:t>2022/4/21</a:t>
+              <a:t>2022/5/9</a:t>
             </a:fld>
             <a:endParaRPr lang="zh-CN" altLang="en-US"/>
           </a:p>
@@ -666,7 +666,7 @@
           <a:p>
             <a:fld id="{F5BD6FBD-27B6-465F-B108-FA7FED5A51C9}" type="datetimeFigureOut">
               <a:rPr lang="zh-CN" altLang="en-US" smtClean="0"/>
-              <a:t>2022/4/21</a:t>
+              <a:t>2022/5/9</a:t>
             </a:fld>
             <a:endParaRPr lang="zh-CN" altLang="en-US"/>
           </a:p>
@@ -864,7 +864,7 @@
           <a:p>
             <a:fld id="{F5BD6FBD-27B6-465F-B108-FA7FED5A51C9}" type="datetimeFigureOut">
               <a:rPr lang="zh-CN" altLang="en-US" smtClean="0"/>
-              <a:t>2022/4/21</a:t>
+              <a:t>2022/5/9</a:t>
             </a:fld>
             <a:endParaRPr lang="zh-CN" altLang="en-US"/>
           </a:p>
@@ -1139,7 +1139,7 @@
           <a:p>
             <a:fld id="{F5BD6FBD-27B6-465F-B108-FA7FED5A51C9}" type="datetimeFigureOut">
               <a:rPr lang="zh-CN" altLang="en-US" smtClean="0"/>
-              <a:t>2022/4/21</a:t>
+              <a:t>2022/5/9</a:t>
             </a:fld>
             <a:endParaRPr lang="zh-CN" altLang="en-US"/>
           </a:p>
@@ -1404,7 +1404,7 @@
           <a:p>
             <a:fld id="{F5BD6FBD-27B6-465F-B108-FA7FED5A51C9}" type="datetimeFigureOut">
               <a:rPr lang="zh-CN" altLang="en-US" smtClean="0"/>
-              <a:t>2022/4/21</a:t>
+              <a:t>2022/5/9</a:t>
             </a:fld>
             <a:endParaRPr lang="zh-CN" altLang="en-US"/>
           </a:p>
@@ -1816,7 +1816,7 @@
           <a:p>
             <a:fld id="{F5BD6FBD-27B6-465F-B108-FA7FED5A51C9}" type="datetimeFigureOut">
               <a:rPr lang="zh-CN" altLang="en-US" smtClean="0"/>
-              <a:t>2022/4/21</a:t>
+              <a:t>2022/5/9</a:t>
             </a:fld>
             <a:endParaRPr lang="zh-CN" altLang="en-US"/>
           </a:p>
@@ -1957,7 +1957,7 @@
           <a:p>
             <a:fld id="{F5BD6FBD-27B6-465F-B108-FA7FED5A51C9}" type="datetimeFigureOut">
               <a:rPr lang="zh-CN" altLang="en-US" smtClean="0"/>
-              <a:t>2022/4/21</a:t>
+              <a:t>2022/5/9</a:t>
             </a:fld>
             <a:endParaRPr lang="zh-CN" altLang="en-US"/>
           </a:p>
@@ -2070,7 +2070,7 @@
           <a:p>
             <a:fld id="{F5BD6FBD-27B6-465F-B108-FA7FED5A51C9}" type="datetimeFigureOut">
               <a:rPr lang="zh-CN" altLang="en-US" smtClean="0"/>
-              <a:t>2022/4/21</a:t>
+              <a:t>2022/5/9</a:t>
             </a:fld>
             <a:endParaRPr lang="zh-CN" altLang="en-US"/>
           </a:p>
@@ -2381,7 +2381,7 @@
           <a:p>
             <a:fld id="{F5BD6FBD-27B6-465F-B108-FA7FED5A51C9}" type="datetimeFigureOut">
               <a:rPr lang="zh-CN" altLang="en-US" smtClean="0"/>
-              <a:t>2022/4/21</a:t>
+              <a:t>2022/5/9</a:t>
             </a:fld>
             <a:endParaRPr lang="zh-CN" altLang="en-US"/>
           </a:p>
@@ -2669,7 +2669,7 @@
           <a:p>
             <a:fld id="{F5BD6FBD-27B6-465F-B108-FA7FED5A51C9}" type="datetimeFigureOut">
               <a:rPr lang="zh-CN" altLang="en-US" smtClean="0"/>
-              <a:t>2022/4/21</a:t>
+              <a:t>2022/5/9</a:t>
             </a:fld>
             <a:endParaRPr lang="zh-CN" altLang="en-US"/>
           </a:p>
@@ -2910,7 +2910,7 @@
           <a:p>
             <a:fld id="{F5BD6FBD-27B6-465F-B108-FA7FED5A51C9}" type="datetimeFigureOut">
               <a:rPr lang="zh-CN" altLang="en-US" smtClean="0"/>
-              <a:t>2022/4/21</a:t>
+              <a:t>2022/5/9</a:t>
             </a:fld>
             <a:endParaRPr lang="zh-CN" altLang="en-US"/>
           </a:p>
@@ -3571,41 +3571,6 @@
       </p:pic>
       <p:pic>
         <p:nvPicPr>
-          <p:cNvPr id="7" name="图片 6">
-            <a:extLst>
-              <a:ext uri="{FF2B5EF4-FFF2-40B4-BE49-F238E27FC236}">
-                <a16:creationId xmlns:a16="http://schemas.microsoft.com/office/drawing/2014/main" id="{D1858855-4FFD-4DC6-BDF9-9559C7FA8310}"/>
-              </a:ext>
-            </a:extLst>
-          </p:cNvPr>
-          <p:cNvPicPr>
-            <a:picLocks noChangeAspect="1"/>
-          </p:cNvPicPr>
-          <p:nvPr/>
-        </p:nvPicPr>
-        <p:blipFill rotWithShape="1">
-          <a:blip r:embed="rId3">
-            <a:extLst>
-              <a:ext uri="{28A0092B-C50C-407E-A947-70E740481C1C}">
-                <a14:useLocalDpi xmlns:a14="http://schemas.microsoft.com/office/drawing/2010/main" val="0"/>
-              </a:ext>
-            </a:extLst>
-          </a:blip>
-          <a:srcRect l="4993" r="6638"/>
-          <a:stretch/>
-        </p:blipFill>
-        <p:spPr>
-          <a:xfrm>
-            <a:off x="1330739" y="1721990"/>
-            <a:ext cx="4765259" cy="871304"/>
-          </a:xfrm>
-          <a:prstGeom prst="rect">
-            <a:avLst/>
-          </a:prstGeom>
-        </p:spPr>
-      </p:pic>
-      <p:pic>
-        <p:nvPicPr>
           <p:cNvPr id="9" name="图片 8">
             <a:extLst>
               <a:ext uri="{FF2B5EF4-FFF2-40B4-BE49-F238E27FC236}">
@@ -3619,7 +3584,7 @@
           <p:nvPr/>
         </p:nvPicPr>
         <p:blipFill>
-          <a:blip r:embed="rId4">
+          <a:blip r:embed="rId3">
             <a:extLst>
               <a:ext uri="{28A0092B-C50C-407E-A947-70E740481C1C}">
                 <a14:useLocalDpi xmlns:a14="http://schemas.microsoft.com/office/drawing/2010/main" val="0"/>
@@ -3655,7 +3620,7 @@
           <p:nvPr/>
         </p:nvPicPr>
         <p:blipFill rotWithShape="1">
-          <a:blip r:embed="rId5">
+          <a:blip r:embed="rId4">
             <a:extLst>
               <a:ext uri="{28A0092B-C50C-407E-A947-70E740481C1C}">
                 <a14:useLocalDpi xmlns:a14="http://schemas.microsoft.com/office/drawing/2010/main" val="0"/>
@@ -3667,7 +3632,7 @@
         </p:blipFill>
         <p:spPr>
           <a:xfrm>
-            <a:off x="1330737" y="2575220"/>
+            <a:off x="1330738" y="2503315"/>
             <a:ext cx="4765259" cy="818978"/>
           </a:xfrm>
           <a:prstGeom prst="rect">
@@ -3690,7 +3655,7 @@
           <p:nvPr/>
         </p:nvPicPr>
         <p:blipFill>
-          <a:blip r:embed="rId6">
+          <a:blip r:embed="rId5">
             <a:extLst>
               <a:ext uri="{28A0092B-C50C-407E-A947-70E740481C1C}">
                 <a14:useLocalDpi xmlns:a14="http://schemas.microsoft.com/office/drawing/2010/main" val="0"/>
@@ -3703,7 +3668,7 @@
         </p:blipFill>
         <p:spPr>
           <a:xfrm>
-            <a:off x="1330736" y="3397498"/>
+            <a:off x="1330738" y="3336877"/>
             <a:ext cx="1609270" cy="540518"/>
           </a:xfrm>
           <a:prstGeom prst="rect">
@@ -3726,7 +3691,7 @@
           <p:nvPr/>
         </p:nvPicPr>
         <p:blipFill>
-          <a:blip r:embed="rId7">
+          <a:blip r:embed="rId6">
             <a:extLst>
               <a:ext uri="{28A0092B-C50C-407E-A947-70E740481C1C}">
                 <a14:useLocalDpi xmlns:a14="http://schemas.microsoft.com/office/drawing/2010/main" val="0"/>
@@ -3762,7 +3727,7 @@
           <p:nvPr/>
         </p:nvPicPr>
         <p:blipFill>
-          <a:blip r:embed="rId8">
+          <a:blip r:embed="rId7">
             <a:extLst>
               <a:ext uri="{28A0092B-C50C-407E-A947-70E740481C1C}">
                 <a14:useLocalDpi xmlns:a14="http://schemas.microsoft.com/office/drawing/2010/main" val="0"/>
@@ -3798,7 +3763,7 @@
           <p:nvPr/>
         </p:nvPicPr>
         <p:blipFill>
-          <a:blip r:embed="rId9">
+          <a:blip r:embed="rId8">
             <a:extLst>
               <a:ext uri="{28A0092B-C50C-407E-A947-70E740481C1C}">
                 <a14:useLocalDpi xmlns:a14="http://schemas.microsoft.com/office/drawing/2010/main" val="0"/>
@@ -3811,8 +3776,43 @@
         </p:blipFill>
         <p:spPr>
           <a:xfrm>
-            <a:off x="6095996" y="3394198"/>
+            <a:off x="6095997" y="3308414"/>
             <a:ext cx="2333963" cy="624840"/>
+          </a:xfrm>
+          <a:prstGeom prst="rect">
+            <a:avLst/>
+          </a:prstGeom>
+        </p:spPr>
+      </p:pic>
+      <p:pic>
+        <p:nvPicPr>
+          <p:cNvPr id="7" name="图片 6">
+            <a:extLst>
+              <a:ext uri="{FF2B5EF4-FFF2-40B4-BE49-F238E27FC236}">
+                <a16:creationId xmlns:a16="http://schemas.microsoft.com/office/drawing/2014/main" id="{D1858855-4FFD-4DC6-BDF9-9559C7FA8310}"/>
+              </a:ext>
+            </a:extLst>
+          </p:cNvPr>
+          <p:cNvPicPr>
+            <a:picLocks noChangeAspect="1"/>
+          </p:cNvPicPr>
+          <p:nvPr/>
+        </p:nvPicPr>
+        <p:blipFill rotWithShape="1">
+          <a:blip r:embed="rId9">
+            <a:extLst>
+              <a:ext uri="{28A0092B-C50C-407E-A947-70E740481C1C}">
+                <a14:useLocalDpi xmlns:a14="http://schemas.microsoft.com/office/drawing/2010/main" val="0"/>
+              </a:ext>
+            </a:extLst>
+          </a:blip>
+          <a:srcRect l="4993" r="6638" b="12001"/>
+          <a:stretch/>
+        </p:blipFill>
+        <p:spPr>
+          <a:xfrm>
+            <a:off x="1330739" y="1721990"/>
+            <a:ext cx="4765259" cy="766741"/>
           </a:xfrm>
           <a:prstGeom prst="rect">
             <a:avLst/>

--- a/images/演示文稿1.pptx
+++ b/images/演示文稿1.pptx
@@ -7,6 +7,7 @@
   <p:sldIdLst>
     <p:sldId id="256" r:id="rId2"/>
     <p:sldId id="257" r:id="rId3"/>
+    <p:sldId id="258" r:id="rId4"/>
   </p:sldIdLst>
   <p:sldSz cx="12192000" cy="6858000"/>
   <p:notesSz cx="6858000" cy="9144000"/>
@@ -260,7 +261,7 @@
           <a:p>
             <a:fld id="{F5BD6FBD-27B6-465F-B108-FA7FED5A51C9}" type="datetimeFigureOut">
               <a:rPr lang="zh-CN" altLang="en-US" smtClean="0"/>
-              <a:t>2022/5/9</a:t>
+              <a:t>2023/9/14</a:t>
             </a:fld>
             <a:endParaRPr lang="zh-CN" altLang="en-US"/>
           </a:p>
@@ -458,7 +459,7 @@
           <a:p>
             <a:fld id="{F5BD6FBD-27B6-465F-B108-FA7FED5A51C9}" type="datetimeFigureOut">
               <a:rPr lang="zh-CN" altLang="en-US" smtClean="0"/>
-              <a:t>2022/5/9</a:t>
+              <a:t>2023/9/14</a:t>
             </a:fld>
             <a:endParaRPr lang="zh-CN" altLang="en-US"/>
           </a:p>
@@ -666,7 +667,7 @@
           <a:p>
             <a:fld id="{F5BD6FBD-27B6-465F-B108-FA7FED5A51C9}" type="datetimeFigureOut">
               <a:rPr lang="zh-CN" altLang="en-US" smtClean="0"/>
-              <a:t>2022/5/9</a:t>
+              <a:t>2023/9/14</a:t>
             </a:fld>
             <a:endParaRPr lang="zh-CN" altLang="en-US"/>
           </a:p>
@@ -864,7 +865,7 @@
           <a:p>
             <a:fld id="{F5BD6FBD-27B6-465F-B108-FA7FED5A51C9}" type="datetimeFigureOut">
               <a:rPr lang="zh-CN" altLang="en-US" smtClean="0"/>
-              <a:t>2022/5/9</a:t>
+              <a:t>2023/9/14</a:t>
             </a:fld>
             <a:endParaRPr lang="zh-CN" altLang="en-US"/>
           </a:p>
@@ -1139,7 +1140,7 @@
           <a:p>
             <a:fld id="{F5BD6FBD-27B6-465F-B108-FA7FED5A51C9}" type="datetimeFigureOut">
               <a:rPr lang="zh-CN" altLang="en-US" smtClean="0"/>
-              <a:t>2022/5/9</a:t>
+              <a:t>2023/9/14</a:t>
             </a:fld>
             <a:endParaRPr lang="zh-CN" altLang="en-US"/>
           </a:p>
@@ -1404,7 +1405,7 @@
           <a:p>
             <a:fld id="{F5BD6FBD-27B6-465F-B108-FA7FED5A51C9}" type="datetimeFigureOut">
               <a:rPr lang="zh-CN" altLang="en-US" smtClean="0"/>
-              <a:t>2022/5/9</a:t>
+              <a:t>2023/9/14</a:t>
             </a:fld>
             <a:endParaRPr lang="zh-CN" altLang="en-US"/>
           </a:p>
@@ -1816,7 +1817,7 @@
           <a:p>
             <a:fld id="{F5BD6FBD-27B6-465F-B108-FA7FED5A51C9}" type="datetimeFigureOut">
               <a:rPr lang="zh-CN" altLang="en-US" smtClean="0"/>
-              <a:t>2022/5/9</a:t>
+              <a:t>2023/9/14</a:t>
             </a:fld>
             <a:endParaRPr lang="zh-CN" altLang="en-US"/>
           </a:p>
@@ -1957,7 +1958,7 @@
           <a:p>
             <a:fld id="{F5BD6FBD-27B6-465F-B108-FA7FED5A51C9}" type="datetimeFigureOut">
               <a:rPr lang="zh-CN" altLang="en-US" smtClean="0"/>
-              <a:t>2022/5/9</a:t>
+              <a:t>2023/9/14</a:t>
             </a:fld>
             <a:endParaRPr lang="zh-CN" altLang="en-US"/>
           </a:p>
@@ -2070,7 +2071,7 @@
           <a:p>
             <a:fld id="{F5BD6FBD-27B6-465F-B108-FA7FED5A51C9}" type="datetimeFigureOut">
               <a:rPr lang="zh-CN" altLang="en-US" smtClean="0"/>
-              <a:t>2022/5/9</a:t>
+              <a:t>2023/9/14</a:t>
             </a:fld>
             <a:endParaRPr lang="zh-CN" altLang="en-US"/>
           </a:p>
@@ -2381,7 +2382,7 @@
           <a:p>
             <a:fld id="{F5BD6FBD-27B6-465F-B108-FA7FED5A51C9}" type="datetimeFigureOut">
               <a:rPr lang="zh-CN" altLang="en-US" smtClean="0"/>
-              <a:t>2022/5/9</a:t>
+              <a:t>2023/9/14</a:t>
             </a:fld>
             <a:endParaRPr lang="zh-CN" altLang="en-US"/>
           </a:p>
@@ -2669,7 +2670,7 @@
           <a:p>
             <a:fld id="{F5BD6FBD-27B6-465F-B108-FA7FED5A51C9}" type="datetimeFigureOut">
               <a:rPr lang="zh-CN" altLang="en-US" smtClean="0"/>
-              <a:t>2022/5/9</a:t>
+              <a:t>2023/9/14</a:t>
             </a:fld>
             <a:endParaRPr lang="zh-CN" altLang="en-US"/>
           </a:p>
@@ -2910,7 +2911,7 @@
           <a:p>
             <a:fld id="{F5BD6FBD-27B6-465F-B108-FA7FED5A51C9}" type="datetimeFigureOut">
               <a:rPr lang="zh-CN" altLang="en-US" smtClean="0"/>
-              <a:t>2022/5/9</a:t>
+              <a:t>2023/9/14</a:t>
             </a:fld>
             <a:endParaRPr lang="zh-CN" altLang="en-US"/>
           </a:p>
@@ -3832,6 +3833,357 @@
 </p:sld>
 </file>
 
+<file path=ppt/slides/slide3.xml><?xml version="1.0" encoding="utf-8"?>
+<p:sld xmlns:a="http://schemas.openxmlformats.org/drawingml/2006/main" xmlns:r="http://schemas.openxmlformats.org/officeDocument/2006/relationships" xmlns:p="http://schemas.openxmlformats.org/presentationml/2006/main">
+  <p:cSld>
+    <p:spTree>
+      <p:nvGrpSpPr>
+        <p:cNvPr id="1" name=""/>
+        <p:cNvGrpSpPr/>
+        <p:nvPr/>
+      </p:nvGrpSpPr>
+      <p:grpSpPr>
+        <a:xfrm>
+          <a:off x="0" y="0"/>
+          <a:ext cx="0" cy="0"/>
+          <a:chOff x="0" y="0"/>
+          <a:chExt cx="0" cy="0"/>
+        </a:xfrm>
+      </p:grpSpPr>
+      <p:pic>
+        <p:nvPicPr>
+          <p:cNvPr id="5" name="图片 4">
+            <a:extLst>
+              <a:ext uri="{FF2B5EF4-FFF2-40B4-BE49-F238E27FC236}">
+                <a16:creationId xmlns:a16="http://schemas.microsoft.com/office/drawing/2014/main" id="{DDC7E162-C7D5-4E1D-A3F5-03FA2D12FBBC}"/>
+              </a:ext>
+            </a:extLst>
+          </p:cNvPr>
+          <p:cNvPicPr>
+            <a:picLocks noChangeAspect="1"/>
+          </p:cNvPicPr>
+          <p:nvPr/>
+        </p:nvPicPr>
+        <p:blipFill rotWithShape="1">
+          <a:blip r:embed="rId2">
+            <a:extLst>
+              <a:ext uri="{28A0092B-C50C-407E-A947-70E740481C1C}">
+                <a14:useLocalDpi xmlns:a14="http://schemas.microsoft.com/office/drawing/2010/main" val="0"/>
+              </a:ext>
+            </a:extLst>
+          </a:blip>
+          <a:srcRect t="33669" b="34191"/>
+          <a:stretch/>
+        </p:blipFill>
+        <p:spPr>
+          <a:xfrm>
+            <a:off x="1330740" y="803082"/>
+            <a:ext cx="4765260" cy="918908"/>
+          </a:xfrm>
+          <a:prstGeom prst="rect">
+            <a:avLst/>
+          </a:prstGeom>
+        </p:spPr>
+      </p:pic>
+      <p:pic>
+        <p:nvPicPr>
+          <p:cNvPr id="9" name="图片 8">
+            <a:extLst>
+              <a:ext uri="{FF2B5EF4-FFF2-40B4-BE49-F238E27FC236}">
+                <a16:creationId xmlns:a16="http://schemas.microsoft.com/office/drawing/2014/main" id="{2066CDD9-9F85-4DFD-8F55-1ECCE1651D94}"/>
+              </a:ext>
+            </a:extLst>
+          </p:cNvPr>
+          <p:cNvPicPr>
+            <a:picLocks noChangeAspect="1"/>
+          </p:cNvPicPr>
+          <p:nvPr/>
+        </p:nvPicPr>
+        <p:blipFill>
+          <a:blip r:embed="rId3">
+            <a:extLst>
+              <a:ext uri="{28A0092B-C50C-407E-A947-70E740481C1C}">
+                <a14:useLocalDpi xmlns:a14="http://schemas.microsoft.com/office/drawing/2010/main" val="0"/>
+              </a:ext>
+            </a:extLst>
+          </a:blip>
+          <a:stretch>
+            <a:fillRect/>
+          </a:stretch>
+        </p:blipFill>
+        <p:spPr>
+          <a:xfrm>
+            <a:off x="3539874" y="5483008"/>
+            <a:ext cx="3002724" cy="1143819"/>
+          </a:xfrm>
+          <a:prstGeom prst="rect">
+            <a:avLst/>
+          </a:prstGeom>
+        </p:spPr>
+      </p:pic>
+      <p:pic>
+        <p:nvPicPr>
+          <p:cNvPr id="11" name="图片 10">
+            <a:extLst>
+              <a:ext uri="{FF2B5EF4-FFF2-40B4-BE49-F238E27FC236}">
+                <a16:creationId xmlns:a16="http://schemas.microsoft.com/office/drawing/2014/main" id="{CF530BDD-DBE9-409F-B173-34C4F6A07EEC}"/>
+              </a:ext>
+            </a:extLst>
+          </p:cNvPr>
+          <p:cNvPicPr>
+            <a:picLocks noChangeAspect="1"/>
+          </p:cNvPicPr>
+          <p:nvPr/>
+        </p:nvPicPr>
+        <p:blipFill rotWithShape="1">
+          <a:blip r:embed="rId4">
+            <a:extLst>
+              <a:ext uri="{28A0092B-C50C-407E-A947-70E740481C1C}">
+                <a14:useLocalDpi xmlns:a14="http://schemas.microsoft.com/office/drawing/2010/main" val="0"/>
+              </a:ext>
+            </a:extLst>
+          </a:blip>
+          <a:srcRect l="4111" t="13003" r="12792" b="40610"/>
+          <a:stretch/>
+        </p:blipFill>
+        <p:spPr>
+          <a:xfrm>
+            <a:off x="1330738" y="2503315"/>
+            <a:ext cx="4765259" cy="818978"/>
+          </a:xfrm>
+          <a:prstGeom prst="rect">
+            <a:avLst/>
+          </a:prstGeom>
+        </p:spPr>
+      </p:pic>
+      <p:pic>
+        <p:nvPicPr>
+          <p:cNvPr id="13" name="图片 12">
+            <a:extLst>
+              <a:ext uri="{FF2B5EF4-FFF2-40B4-BE49-F238E27FC236}">
+                <a16:creationId xmlns:a16="http://schemas.microsoft.com/office/drawing/2014/main" id="{CC9816E7-1F5E-4F02-B35A-E027F32EEAA4}"/>
+              </a:ext>
+            </a:extLst>
+          </p:cNvPr>
+          <p:cNvPicPr>
+            <a:picLocks noChangeAspect="1"/>
+          </p:cNvPicPr>
+          <p:nvPr/>
+        </p:nvPicPr>
+        <p:blipFill>
+          <a:blip r:embed="rId5">
+            <a:extLst>
+              <a:ext uri="{28A0092B-C50C-407E-A947-70E740481C1C}">
+                <a14:useLocalDpi xmlns:a14="http://schemas.microsoft.com/office/drawing/2010/main" val="0"/>
+              </a:ext>
+            </a:extLst>
+          </a:blip>
+          <a:stretch>
+            <a:fillRect/>
+          </a:stretch>
+        </p:blipFill>
+        <p:spPr>
+          <a:xfrm>
+            <a:off x="1330738" y="3383581"/>
+            <a:ext cx="1609270" cy="540518"/>
+          </a:xfrm>
+          <a:prstGeom prst="rect">
+            <a:avLst/>
+          </a:prstGeom>
+        </p:spPr>
+      </p:pic>
+      <p:pic>
+        <p:nvPicPr>
+          <p:cNvPr id="3" name="图片 2">
+            <a:extLst>
+              <a:ext uri="{FF2B5EF4-FFF2-40B4-BE49-F238E27FC236}">
+                <a16:creationId xmlns:a16="http://schemas.microsoft.com/office/drawing/2014/main" id="{127821E1-E9F9-4F46-81D6-839421E0EA62}"/>
+              </a:ext>
+            </a:extLst>
+          </p:cNvPr>
+          <p:cNvPicPr>
+            <a:picLocks noChangeAspect="1"/>
+          </p:cNvPicPr>
+          <p:nvPr/>
+        </p:nvPicPr>
+        <p:blipFill>
+          <a:blip r:embed="rId6">
+            <a:extLst>
+              <a:ext uri="{28A0092B-C50C-407E-A947-70E740481C1C}">
+                <a14:useLocalDpi xmlns:a14="http://schemas.microsoft.com/office/drawing/2010/main" val="0"/>
+              </a:ext>
+            </a:extLst>
+          </a:blip>
+          <a:stretch>
+            <a:fillRect/>
+          </a:stretch>
+        </p:blipFill>
+        <p:spPr>
+          <a:xfrm>
+            <a:off x="6095997" y="803083"/>
+            <a:ext cx="2960540" cy="1698088"/>
+          </a:xfrm>
+          <a:prstGeom prst="rect">
+            <a:avLst/>
+          </a:prstGeom>
+        </p:spPr>
+      </p:pic>
+      <p:pic>
+        <p:nvPicPr>
+          <p:cNvPr id="6" name="图片 5">
+            <a:extLst>
+              <a:ext uri="{FF2B5EF4-FFF2-40B4-BE49-F238E27FC236}">
+                <a16:creationId xmlns:a16="http://schemas.microsoft.com/office/drawing/2014/main" id="{9B5DD1CE-8DA3-42B7-9E1F-DB3ABFD50EFC}"/>
+              </a:ext>
+            </a:extLst>
+          </p:cNvPr>
+          <p:cNvPicPr>
+            <a:picLocks noChangeAspect="1"/>
+          </p:cNvPicPr>
+          <p:nvPr/>
+        </p:nvPicPr>
+        <p:blipFill>
+          <a:blip r:embed="rId7">
+            <a:extLst>
+              <a:ext uri="{28A0092B-C50C-407E-A947-70E740481C1C}">
+                <a14:useLocalDpi xmlns:a14="http://schemas.microsoft.com/office/drawing/2010/main" val="0"/>
+              </a:ext>
+            </a:extLst>
+          </a:blip>
+          <a:stretch>
+            <a:fillRect/>
+          </a:stretch>
+        </p:blipFill>
+        <p:spPr>
+          <a:xfrm>
+            <a:off x="6095997" y="3374494"/>
+            <a:ext cx="2960540" cy="549605"/>
+          </a:xfrm>
+          <a:prstGeom prst="rect">
+            <a:avLst/>
+          </a:prstGeom>
+        </p:spPr>
+      </p:pic>
+      <p:pic>
+        <p:nvPicPr>
+          <p:cNvPr id="10" name="图片 9">
+            <a:extLst>
+              <a:ext uri="{FF2B5EF4-FFF2-40B4-BE49-F238E27FC236}">
+                <a16:creationId xmlns:a16="http://schemas.microsoft.com/office/drawing/2014/main" id="{DAE5DDC7-2361-40F3-9D7F-3BE8EAC6C6A6}"/>
+              </a:ext>
+            </a:extLst>
+          </p:cNvPr>
+          <p:cNvPicPr>
+            <a:picLocks noChangeAspect="1"/>
+          </p:cNvPicPr>
+          <p:nvPr/>
+        </p:nvPicPr>
+        <p:blipFill>
+          <a:blip r:embed="rId8">
+            <a:extLst>
+              <a:ext uri="{28A0092B-C50C-407E-A947-70E740481C1C}">
+                <a14:useLocalDpi xmlns:a14="http://schemas.microsoft.com/office/drawing/2010/main" val="0"/>
+              </a:ext>
+            </a:extLst>
+          </a:blip>
+          <a:stretch>
+            <a:fillRect/>
+          </a:stretch>
+        </p:blipFill>
+        <p:spPr>
+          <a:xfrm>
+            <a:off x="3351021" y="3336877"/>
+            <a:ext cx="2333963" cy="624840"/>
+          </a:xfrm>
+          <a:prstGeom prst="rect">
+            <a:avLst/>
+          </a:prstGeom>
+        </p:spPr>
+      </p:pic>
+      <p:pic>
+        <p:nvPicPr>
+          <p:cNvPr id="7" name="图片 6">
+            <a:extLst>
+              <a:ext uri="{FF2B5EF4-FFF2-40B4-BE49-F238E27FC236}">
+                <a16:creationId xmlns:a16="http://schemas.microsoft.com/office/drawing/2014/main" id="{D1858855-4FFD-4DC6-BDF9-9559C7FA8310}"/>
+              </a:ext>
+            </a:extLst>
+          </p:cNvPr>
+          <p:cNvPicPr>
+            <a:picLocks noChangeAspect="1"/>
+          </p:cNvPicPr>
+          <p:nvPr/>
+        </p:nvPicPr>
+        <p:blipFill rotWithShape="1">
+          <a:blip r:embed="rId9">
+            <a:extLst>
+              <a:ext uri="{28A0092B-C50C-407E-A947-70E740481C1C}">
+                <a14:useLocalDpi xmlns:a14="http://schemas.microsoft.com/office/drawing/2010/main" val="0"/>
+              </a:ext>
+            </a:extLst>
+          </a:blip>
+          <a:srcRect l="4993" r="6638" b="12001"/>
+          <a:stretch/>
+        </p:blipFill>
+        <p:spPr>
+          <a:xfrm>
+            <a:off x="1330739" y="1721990"/>
+            <a:ext cx="4765259" cy="766741"/>
+          </a:xfrm>
+          <a:prstGeom prst="rect">
+            <a:avLst/>
+          </a:prstGeom>
+        </p:spPr>
+      </p:pic>
+      <p:pic>
+        <p:nvPicPr>
+          <p:cNvPr id="4" name="图片 3">
+            <a:extLst>
+              <a:ext uri="{FF2B5EF4-FFF2-40B4-BE49-F238E27FC236}">
+                <a16:creationId xmlns:a16="http://schemas.microsoft.com/office/drawing/2014/main" id="{101223EF-D87C-4028-84FF-E25A889467FE}"/>
+              </a:ext>
+            </a:extLst>
+          </p:cNvPr>
+          <p:cNvPicPr>
+            <a:picLocks noChangeAspect="1"/>
+          </p:cNvPicPr>
+          <p:nvPr/>
+        </p:nvPicPr>
+        <p:blipFill>
+          <a:blip r:embed="rId10">
+            <a:extLst>
+              <a:ext uri="{28A0092B-C50C-407E-A947-70E740481C1C}">
+                <a14:useLocalDpi xmlns:a14="http://schemas.microsoft.com/office/drawing/2010/main" val="0"/>
+              </a:ext>
+            </a:extLst>
+          </a:blip>
+          <a:stretch>
+            <a:fillRect/>
+          </a:stretch>
+        </p:blipFill>
+        <p:spPr>
+          <a:xfrm>
+            <a:off x="6095998" y="2501171"/>
+            <a:ext cx="2960540" cy="821122"/>
+          </a:xfrm>
+          <a:prstGeom prst="rect">
+            <a:avLst/>
+          </a:prstGeom>
+        </p:spPr>
+      </p:pic>
+    </p:spTree>
+    <p:extLst>
+      <p:ext uri="{BB962C8B-B14F-4D97-AF65-F5344CB8AC3E}">
+        <p14:creationId xmlns:p14="http://schemas.microsoft.com/office/powerpoint/2010/main" val="3140494951"/>
+      </p:ext>
+    </p:extLst>
+  </p:cSld>
+  <p:clrMapOvr>
+    <a:masterClrMapping/>
+  </p:clrMapOvr>
+</p:sld>
+</file>
+
 <file path=ppt/theme/theme1.xml><?xml version="1.0" encoding="utf-8"?>
 <a:theme xmlns:a="http://schemas.openxmlformats.org/drawingml/2006/main" name="Office 主题​​">
   <a:themeElements>
